--- a/Implementation of probability diffusion algorithm with Python.pptx
+++ b/Implementation of probability diffusion algorithm with Python.pptx
@@ -10,7 +10,9 @@
     <p:sldId id="258" r:id="rId4"/>
     <p:sldId id="259" r:id="rId5"/>
     <p:sldId id="260" r:id="rId6"/>
-    <p:sldId id="261" r:id="rId7"/>
+    <p:sldId id="263" r:id="rId7"/>
+    <p:sldId id="261" r:id="rId8"/>
+    <p:sldId id="262" r:id="rId9"/>
   </p:sldIdLst>
   <p:sldSz cx="12192000" cy="6858000"/>
   <p:notesSz cx="6858000" cy="9144000"/>
@@ -109,6 +111,11 @@
       </a:defRPr>
     </a:lvl9pPr>
   </p:defaultTextStyle>
+  <p:extLst>
+    <p:ext uri="{EFAFB233-063F-42B5-8137-9DF3F51BA10A}">
+      <p15:sldGuideLst xmlns:p15="http://schemas.microsoft.com/office/powerpoint/2012/main"/>
+    </p:ext>
+  </p:extLst>
 </p:presentation>
 </file>
 
@@ -6759,6 +6766,99 @@
           <p:cNvPr id="2" name="Title 1">
             <a:extLst>
               <a:ext uri="{FF2B5EF4-FFF2-40B4-BE49-F238E27FC236}">
+                <a16:creationId xmlns:a16="http://schemas.microsoft.com/office/drawing/2014/main" id="{2362FC27-6B10-2139-AAC1-B7B705E7D07E}"/>
+              </a:ext>
+            </a:extLst>
+          </p:cNvPr>
+          <p:cNvSpPr>
+            <a:spLocks noGrp="1"/>
+          </p:cNvSpPr>
+          <p:nvPr>
+            <p:ph type="title"/>
+          </p:nvPr>
+        </p:nvSpPr>
+        <p:spPr>
+          <a:xfrm>
+            <a:off x="257456" y="208383"/>
+            <a:ext cx="8596668" cy="1320800"/>
+          </a:xfrm>
+        </p:spPr>
+        <p:txBody>
+          <a:bodyPr/>
+          <a:lstStyle/>
+          <a:p>
+            <a:r>
+              <a:rPr lang="en-US" dirty="0"/>
+              <a:t>Alpha parameter</a:t>
+            </a:r>
+          </a:p>
+        </p:txBody>
+      </p:sp>
+      <p:pic>
+        <p:nvPicPr>
+          <p:cNvPr id="11" name="Picture 10">
+            <a:extLst>
+              <a:ext uri="{FF2B5EF4-FFF2-40B4-BE49-F238E27FC236}">
+                <a16:creationId xmlns:a16="http://schemas.microsoft.com/office/drawing/2014/main" id="{4D3F4BA1-0321-1689-3FF6-2CC6934836B7}"/>
+              </a:ext>
+            </a:extLst>
+          </p:cNvPr>
+          <p:cNvPicPr>
+            <a:picLocks noChangeAspect="1"/>
+          </p:cNvPicPr>
+          <p:nvPr/>
+        </p:nvPicPr>
+        <p:blipFill>
+          <a:blip r:embed="rId2"/>
+          <a:stretch>
+            <a:fillRect/>
+          </a:stretch>
+        </p:blipFill>
+        <p:spPr>
+          <a:xfrm>
+            <a:off x="3242285" y="861699"/>
+            <a:ext cx="5707429" cy="5787918"/>
+          </a:xfrm>
+          <a:prstGeom prst="rect">
+            <a:avLst/>
+          </a:prstGeom>
+        </p:spPr>
+      </p:pic>
+    </p:spTree>
+    <p:extLst>
+      <p:ext uri="{BB962C8B-B14F-4D97-AF65-F5344CB8AC3E}">
+        <p14:creationId xmlns:p14="http://schemas.microsoft.com/office/powerpoint/2010/main" val="204423524"/>
+      </p:ext>
+    </p:extLst>
+  </p:cSld>
+  <p:clrMapOvr>
+    <a:masterClrMapping/>
+  </p:clrMapOvr>
+</p:sld>
+</file>
+
+<file path=ppt/slides/slide7.xml><?xml version="1.0" encoding="utf-8"?>
+<p:sld xmlns:a="http://schemas.openxmlformats.org/drawingml/2006/main" xmlns:r="http://schemas.openxmlformats.org/officeDocument/2006/relationships" xmlns:p="http://schemas.openxmlformats.org/presentationml/2006/main">
+  <p:cSld>
+    <p:spTree>
+      <p:nvGrpSpPr>
+        <p:cNvPr id="1" name=""/>
+        <p:cNvGrpSpPr/>
+        <p:nvPr/>
+      </p:nvGrpSpPr>
+      <p:grpSpPr>
+        <a:xfrm>
+          <a:off x="0" y="0"/>
+          <a:ext cx="0" cy="0"/>
+          <a:chOff x="0" y="0"/>
+          <a:chExt cx="0" cy="0"/>
+        </a:xfrm>
+      </p:grpSpPr>
+      <p:sp>
+        <p:nvSpPr>
+          <p:cNvPr id="2" name="Title 1">
+            <a:extLst>
+              <a:ext uri="{FF2B5EF4-FFF2-40B4-BE49-F238E27FC236}">
                 <a16:creationId xmlns:a16="http://schemas.microsoft.com/office/drawing/2014/main" id="{E6C9F6D0-4AB2-5410-822B-E95CD884CD73}"/>
               </a:ext>
             </a:extLst>
@@ -6827,6 +6927,99 @@
     <p:extLst>
       <p:ext uri="{BB962C8B-B14F-4D97-AF65-F5344CB8AC3E}">
         <p14:creationId xmlns:p14="http://schemas.microsoft.com/office/powerpoint/2010/main" val="4083073648"/>
+      </p:ext>
+    </p:extLst>
+  </p:cSld>
+  <p:clrMapOvr>
+    <a:masterClrMapping/>
+  </p:clrMapOvr>
+</p:sld>
+</file>
+
+<file path=ppt/slides/slide8.xml><?xml version="1.0" encoding="utf-8"?>
+<p:sld xmlns:a="http://schemas.openxmlformats.org/drawingml/2006/main" xmlns:r="http://schemas.openxmlformats.org/officeDocument/2006/relationships" xmlns:p="http://schemas.openxmlformats.org/presentationml/2006/main">
+  <p:cSld>
+    <p:spTree>
+      <p:nvGrpSpPr>
+        <p:cNvPr id="1" name=""/>
+        <p:cNvGrpSpPr/>
+        <p:nvPr/>
+      </p:nvGrpSpPr>
+      <p:grpSpPr>
+        <a:xfrm>
+          <a:off x="0" y="0"/>
+          <a:ext cx="0" cy="0"/>
+          <a:chOff x="0" y="0"/>
+          <a:chExt cx="0" cy="0"/>
+        </a:xfrm>
+      </p:grpSpPr>
+      <p:sp>
+        <p:nvSpPr>
+          <p:cNvPr id="2" name="Title 1">
+            <a:extLst>
+              <a:ext uri="{FF2B5EF4-FFF2-40B4-BE49-F238E27FC236}">
+                <a16:creationId xmlns:a16="http://schemas.microsoft.com/office/drawing/2014/main" id="{68ED0067-E626-DAC4-7D17-190C656ADA1A}"/>
+              </a:ext>
+            </a:extLst>
+          </p:cNvPr>
+          <p:cNvSpPr>
+            <a:spLocks noGrp="1"/>
+          </p:cNvSpPr>
+          <p:nvPr>
+            <p:ph type="title"/>
+          </p:nvPr>
+        </p:nvSpPr>
+        <p:spPr>
+          <a:xfrm>
+            <a:off x="113311" y="156238"/>
+            <a:ext cx="8596668" cy="1320800"/>
+          </a:xfrm>
+        </p:spPr>
+        <p:txBody>
+          <a:bodyPr/>
+          <a:lstStyle/>
+          <a:p>
+            <a:r>
+              <a:rPr lang="en-US" dirty="0"/>
+              <a:t>Visualization</a:t>
+            </a:r>
+          </a:p>
+        </p:txBody>
+      </p:sp>
+      <p:pic>
+        <p:nvPicPr>
+          <p:cNvPr id="5" name="Picture 4">
+            <a:extLst>
+              <a:ext uri="{FF2B5EF4-FFF2-40B4-BE49-F238E27FC236}">
+                <a16:creationId xmlns:a16="http://schemas.microsoft.com/office/drawing/2014/main" id="{EF1F48D6-111C-42AD-022F-BA9D8A7BA067}"/>
+              </a:ext>
+            </a:extLst>
+          </p:cNvPr>
+          <p:cNvPicPr>
+            <a:picLocks noChangeAspect="1"/>
+          </p:cNvPicPr>
+          <p:nvPr/>
+        </p:nvPicPr>
+        <p:blipFill>
+          <a:blip r:embed="rId2"/>
+          <a:stretch>
+            <a:fillRect/>
+          </a:stretch>
+        </p:blipFill>
+        <p:spPr>
+          <a:xfrm>
+            <a:off x="0" y="1026367"/>
+            <a:ext cx="12251603" cy="5831633"/>
+          </a:xfrm>
+          <a:prstGeom prst="rect">
+            <a:avLst/>
+          </a:prstGeom>
+        </p:spPr>
+      </p:pic>
+    </p:spTree>
+    <p:extLst>
+      <p:ext uri="{BB962C8B-B14F-4D97-AF65-F5344CB8AC3E}">
+        <p14:creationId xmlns:p14="http://schemas.microsoft.com/office/powerpoint/2010/main" val="2841380757"/>
       </p:ext>
     </p:extLst>
   </p:cSld>
